--- a/training-cards/agile moves/Writing (WRI)/ger/apprentice/ger_wri_01_dem_text_annaehern_AM_A.pptx
+++ b/training-cards/agile moves/Writing (WRI)/ger/apprentice/ger_wri_01_dem_text_annaehern_AM_A.pptx
@@ -755,7 +755,7 @@
           <a:p>
             <a:fld id="{FF5B2BAF-DF38-0A48-A798-0C06E514FD52}" type="datetimeFigureOut">
               <a:rPr lang="de-DE" smtClean="0"/>
-              <a:t>27.06.15</a:t>
+              <a:t>10.11.15</a:t>
             </a:fld>
             <a:endParaRPr lang="de-DE" dirty="0"/>
           </a:p>
@@ -978,7 +978,7 @@
           <a:p>
             <a:fld id="{FF5B2BAF-DF38-0A48-A798-0C06E514FD52}" type="datetimeFigureOut">
               <a:rPr lang="de-DE" smtClean="0"/>
-              <a:t>27.06.15</a:t>
+              <a:t>10.11.15</a:t>
             </a:fld>
             <a:endParaRPr lang="de-DE" dirty="0"/>
           </a:p>
@@ -1703,7 +1703,7 @@
         </p:nvSpPr>
         <p:spPr>
           <a:xfrm>
-            <a:off x="858838" y="1568452"/>
+            <a:off x="858838" y="1670638"/>
             <a:ext cx="6011545" cy="3299923"/>
           </a:xfrm>
         </p:spPr>
@@ -1823,6 +1823,232 @@
               <a:t>.</a:t>
             </a:r>
             <a:endParaRPr lang="de-DE" sz="1050" dirty="0"/>
+          </a:p>
+        </p:txBody>
+      </p:sp>
+      <p:sp>
+        <p:nvSpPr>
+          <p:cNvPr id="8" name="Untertitel 2"/>
+          <p:cNvSpPr txBox="1">
+            <a:spLocks/>
+          </p:cNvSpPr>
+          <p:nvPr/>
+        </p:nvSpPr>
+        <p:spPr>
+          <a:xfrm>
+            <a:off x="1188710" y="1192817"/>
+            <a:ext cx="5293995" cy="462329"/>
+          </a:xfrm>
+          <a:prstGeom prst="rect">
+            <a:avLst/>
+          </a:prstGeom>
+          <a:noFill/>
+        </p:spPr>
+        <p:txBody>
+          <a:bodyPr vert="horz" lIns="80678" tIns="40339" rIns="80678" bIns="40339" rtlCol="0">
+            <a:normAutofit/>
+          </a:bodyPr>
+          <a:lstStyle>
+            <a:lvl1pPr marL="0" indent="0" algn="l" defTabSz="403388" rtl="0" eaLnBrk="1" latinLnBrk="0" hangingPunct="1">
+              <a:spcBef>
+                <a:spcPct val="20000"/>
+              </a:spcBef>
+              <a:buClr>
+                <a:srgbClr val="1191D1"/>
+              </a:buClr>
+              <a:buSzPct val="190000"/>
+              <a:buFontTx/>
+              <a:buNone/>
+              <a:defRPr sz="2300" kern="1200">
+                <a:solidFill>
+                  <a:srgbClr val="1191D1"/>
+                </a:solidFill>
+                <a:latin typeface="Avenir Book"/>
+                <a:ea typeface="+mn-ea"/>
+                <a:cs typeface="Avenir Book"/>
+              </a:defRPr>
+            </a:lvl1pPr>
+            <a:lvl2pPr marL="403388" indent="0" algn="ctr" defTabSz="403388" rtl="0" eaLnBrk="1" latinLnBrk="0" hangingPunct="1">
+              <a:spcBef>
+                <a:spcPct val="20000"/>
+              </a:spcBef>
+              <a:buClr>
+                <a:srgbClr val="1191D1"/>
+              </a:buClr>
+              <a:buSzPct val="190000"/>
+              <a:buFontTx/>
+              <a:buNone/>
+              <a:defRPr sz="1000" kern="1200">
+                <a:solidFill>
+                  <a:schemeClr val="tx1">
+                    <a:tint val="75000"/>
+                  </a:schemeClr>
+                </a:solidFill>
+                <a:latin typeface="Avenir Light"/>
+                <a:ea typeface="+mn-ea"/>
+                <a:cs typeface="Avenir Light"/>
+              </a:defRPr>
+            </a:lvl2pPr>
+            <a:lvl3pPr marL="806775" indent="0" algn="ctr" defTabSz="403388" rtl="0" eaLnBrk="1" latinLnBrk="0" hangingPunct="1">
+              <a:spcBef>
+                <a:spcPct val="20000"/>
+              </a:spcBef>
+              <a:buClr>
+                <a:srgbClr val="1191D1"/>
+              </a:buClr>
+              <a:buSzPct val="190000"/>
+              <a:buFontTx/>
+              <a:buNone/>
+              <a:defRPr sz="1000" kern="1200">
+                <a:solidFill>
+                  <a:schemeClr val="tx1">
+                    <a:tint val="75000"/>
+                  </a:schemeClr>
+                </a:solidFill>
+                <a:latin typeface="Avenir Light"/>
+                <a:ea typeface="+mn-ea"/>
+                <a:cs typeface="Avenir Light"/>
+              </a:defRPr>
+            </a:lvl3pPr>
+            <a:lvl4pPr marL="1210163" indent="0" algn="ctr" defTabSz="403388" rtl="0" eaLnBrk="1" latinLnBrk="0" hangingPunct="1">
+              <a:spcBef>
+                <a:spcPct val="20000"/>
+              </a:spcBef>
+              <a:buClr>
+                <a:srgbClr val="1191D1"/>
+              </a:buClr>
+              <a:buSzPct val="190000"/>
+              <a:buFontTx/>
+              <a:buNone/>
+              <a:defRPr sz="1000" kern="1200">
+                <a:solidFill>
+                  <a:schemeClr val="tx1">
+                    <a:tint val="75000"/>
+                  </a:schemeClr>
+                </a:solidFill>
+                <a:latin typeface="Avenir Light"/>
+                <a:ea typeface="+mn-ea"/>
+                <a:cs typeface="Avenir Light"/>
+              </a:defRPr>
+            </a:lvl4pPr>
+            <a:lvl5pPr marL="1613550" indent="0" algn="ctr" defTabSz="403388" rtl="0" eaLnBrk="1" latinLnBrk="0" hangingPunct="1">
+              <a:spcBef>
+                <a:spcPct val="20000"/>
+              </a:spcBef>
+              <a:buClr>
+                <a:srgbClr val="1191D1"/>
+              </a:buClr>
+              <a:buSzPct val="190000"/>
+              <a:buFontTx/>
+              <a:buNone/>
+              <a:defRPr sz="1000" kern="1200">
+                <a:solidFill>
+                  <a:schemeClr val="tx1">
+                    <a:tint val="75000"/>
+                  </a:schemeClr>
+                </a:solidFill>
+                <a:latin typeface="Avenir Light"/>
+                <a:ea typeface="+mn-ea"/>
+                <a:cs typeface="Avenir Light"/>
+              </a:defRPr>
+            </a:lvl5pPr>
+            <a:lvl6pPr marL="2016938" indent="0" algn="ctr" defTabSz="403388" rtl="0" eaLnBrk="1" latinLnBrk="0" hangingPunct="1">
+              <a:spcBef>
+                <a:spcPct val="20000"/>
+              </a:spcBef>
+              <a:buFont typeface="Arial"/>
+              <a:buNone/>
+              <a:defRPr sz="1800" kern="1200">
+                <a:solidFill>
+                  <a:schemeClr val="tx1">
+                    <a:tint val="75000"/>
+                  </a:schemeClr>
+                </a:solidFill>
+                <a:latin typeface="+mn-lt"/>
+                <a:ea typeface="+mn-ea"/>
+                <a:cs typeface="+mn-cs"/>
+              </a:defRPr>
+            </a:lvl6pPr>
+            <a:lvl7pPr marL="2420325" indent="0" algn="ctr" defTabSz="403388" rtl="0" eaLnBrk="1" latinLnBrk="0" hangingPunct="1">
+              <a:spcBef>
+                <a:spcPct val="20000"/>
+              </a:spcBef>
+              <a:buFont typeface="Arial"/>
+              <a:buNone/>
+              <a:defRPr sz="1800" kern="1200">
+                <a:solidFill>
+                  <a:schemeClr val="tx1">
+                    <a:tint val="75000"/>
+                  </a:schemeClr>
+                </a:solidFill>
+                <a:latin typeface="+mn-lt"/>
+                <a:ea typeface="+mn-ea"/>
+                <a:cs typeface="+mn-cs"/>
+              </a:defRPr>
+            </a:lvl7pPr>
+            <a:lvl8pPr marL="2823713" indent="0" algn="ctr" defTabSz="403388" rtl="0" eaLnBrk="1" latinLnBrk="0" hangingPunct="1">
+              <a:spcBef>
+                <a:spcPct val="20000"/>
+              </a:spcBef>
+              <a:buFont typeface="Arial"/>
+              <a:buNone/>
+              <a:defRPr sz="1800" kern="1200">
+                <a:solidFill>
+                  <a:schemeClr val="tx1">
+                    <a:tint val="75000"/>
+                  </a:schemeClr>
+                </a:solidFill>
+                <a:latin typeface="+mn-lt"/>
+                <a:ea typeface="+mn-ea"/>
+                <a:cs typeface="+mn-cs"/>
+              </a:defRPr>
+            </a:lvl8pPr>
+            <a:lvl9pPr marL="3227100" indent="0" algn="ctr" defTabSz="403388" rtl="0" eaLnBrk="1" latinLnBrk="0" hangingPunct="1">
+              <a:spcBef>
+                <a:spcPct val="20000"/>
+              </a:spcBef>
+              <a:buFont typeface="Arial"/>
+              <a:buNone/>
+              <a:defRPr sz="1800" kern="1200">
+                <a:solidFill>
+                  <a:schemeClr val="tx1">
+                    <a:tint val="75000"/>
+                  </a:schemeClr>
+                </a:solidFill>
+                <a:latin typeface="+mn-lt"/>
+                <a:ea typeface="+mn-ea"/>
+                <a:cs typeface="+mn-cs"/>
+              </a:defRPr>
+            </a:lvl9pPr>
+          </a:lstStyle>
+          <a:p>
+            <a:pPr marL="171450" indent="-171450">
+              <a:lnSpc>
+                <a:spcPct val="150000"/>
+              </a:lnSpc>
+              <a:spcBef>
+                <a:spcPts val="0"/>
+              </a:spcBef>
+              <a:buClr>
+                <a:srgbClr val="229237"/>
+              </a:buClr>
+              <a:buSzPct val="250000"/>
+              <a:buFont typeface="Arial"/>
+              <a:buNone/>
+            </a:pPr>
+            <a:r>
+              <a:rPr lang="de-DE" sz="1000" cap="all" dirty="0" smtClean="0">
+                <a:solidFill>
+                  <a:srgbClr val="5D5E5F"/>
+                </a:solidFill>
+              </a:rPr>
+              <a:t>REGINA BRANDHUBER</a:t>
+            </a:r>
+            <a:endParaRPr lang="de-DE" sz="1000" cap="all" dirty="0">
+              <a:solidFill>
+                <a:srgbClr val="5D5E5F"/>
+              </a:solidFill>
+            </a:endParaRPr>
           </a:p>
         </p:txBody>
       </p:sp>
@@ -1888,7 +2114,6 @@
               <a:rPr lang="de-DE" dirty="0"/>
               <a:t>Insgesamt musst du also vier Feedbackgespräche geführt haben, damit Du diese Zertifizierung bekommst. </a:t>
             </a:r>
-            <a:endParaRPr lang="de-DE" dirty="0"/>
           </a:p>
           <a:p>
             <a:pPr lvl="1">
@@ -1929,10 +2154,146 @@
               <a:rPr lang="de-DE" dirty="0"/>
               <a:t>und eines, wenn Dein Text ausformuliert vorliegt.</a:t>
             </a:r>
-            <a:endParaRPr lang="de-DE" dirty="0"/>
-          </a:p>
-        </p:txBody>
-      </p:sp>
+          </a:p>
+        </p:txBody>
+      </p:sp>
+      <p:sp>
+        <p:nvSpPr>
+          <p:cNvPr id="3" name="Textfeld 2"/>
+          <p:cNvSpPr txBox="1"/>
+          <p:nvPr/>
+        </p:nvSpPr>
+        <p:spPr>
+          <a:xfrm>
+            <a:off x="239285" y="4936890"/>
+            <a:ext cx="1044856" cy="276999"/>
+          </a:xfrm>
+          <a:prstGeom prst="rect">
+            <a:avLst/>
+          </a:prstGeom>
+          <a:noFill/>
+        </p:spPr>
+        <p:txBody>
+          <a:bodyPr wrap="square" rtlCol="0">
+            <a:spAutoFit/>
+          </a:bodyPr>
+          <a:lstStyle/>
+          <a:p>
+            <a:r>
+              <a:rPr lang="de-DE" sz="600" dirty="0">
+                <a:solidFill>
+                  <a:srgbClr val="5D5E5F"/>
+                </a:solidFill>
+                <a:latin typeface="Avenir Light"/>
+                <a:cs typeface="Avenir Light"/>
+              </a:rPr>
+              <a:t>Letzte Änderung: </a:t>
+            </a:r>
+            <a:fld id="{7A8C7DAC-E536-564C-B5B3-90E8FAB50562}" type="datetime1">
+              <a:rPr lang="de-DE" sz="600" smtClean="0">
+                <a:solidFill>
+                  <a:srgbClr val="5D5E5F"/>
+                </a:solidFill>
+                <a:latin typeface="Avenir Light"/>
+                <a:cs typeface="Avenir Light"/>
+              </a:rPr>
+              <a:t>10.11.15</a:t>
+            </a:fld>
+            <a:endParaRPr lang="de-DE" sz="600" dirty="0">
+              <a:solidFill>
+                <a:srgbClr val="5D5E5F"/>
+              </a:solidFill>
+              <a:latin typeface="Avenir Light"/>
+              <a:cs typeface="Avenir Light"/>
+            </a:endParaRPr>
+          </a:p>
+        </p:txBody>
+      </p:sp>
+      <p:sp>
+        <p:nvSpPr>
+          <p:cNvPr id="4" name="Shape 7"/>
+          <p:cNvSpPr/>
+          <p:nvPr/>
+        </p:nvSpPr>
+        <p:spPr>
+          <a:xfrm>
+            <a:off x="1619767" y="4952581"/>
+            <a:ext cx="4164935" cy="276995"/>
+          </a:xfrm>
+          <a:prstGeom prst="rect">
+            <a:avLst/>
+          </a:prstGeom>
+          <a:ln w="12700">
+            <a:miter lim="400000"/>
+          </a:ln>
+          <a:extLst>
+            <a:ext uri="{C572A759-6A51-4108-AA02-DFA0A04FC94B}">
+              <ma14:wrappingTextBoxFlag xmlns:ma14="http://schemas.microsoft.com/office/mac/drawingml/2011/main" val="1"/>
+            </a:ext>
+          </a:extLst>
+        </p:spPr>
+        <p:txBody>
+          <a:bodyPr wrap="none" lIns="45718" tIns="45718" rIns="45718" bIns="45718">
+            <a:spAutoFit/>
+          </a:bodyPr>
+          <a:lstStyle/>
+          <a:p>
+            <a:pPr lvl="0" algn="ctr">
+              <a:defRPr sz="1800"/>
+            </a:pPr>
+            <a:r>
+              <a:rPr sz="600" dirty="0">
+                <a:latin typeface="Avenir Light"/>
+                <a:ea typeface="Calibri"/>
+                <a:cs typeface="Avenir Light"/>
+                <a:sym typeface="Calibri"/>
+              </a:rPr>
+              <a:t>This work is licensed under the Creative Commons Attribution-NonCommercial-NoDerivatives 4.0 International License. </a:t>
+            </a:r>
+          </a:p>
+          <a:p>
+            <a:pPr lvl="0" algn="ctr">
+              <a:defRPr sz="1800"/>
+            </a:pPr>
+            <a:r>
+              <a:rPr sz="600" dirty="0">
+                <a:latin typeface="Avenir Light"/>
+                <a:ea typeface="Calibri"/>
+                <a:cs typeface="Avenir Light"/>
+                <a:sym typeface="Calibri"/>
+              </a:rPr>
+              <a:t>To view a copy of this license, visit http://creativecommons.org/licenses/by-nc-nd/4.0/.</a:t>
+            </a:r>
+          </a:p>
+        </p:txBody>
+      </p:sp>
+      <p:pic>
+        <p:nvPicPr>
+          <p:cNvPr id="5" name="pasted-image.tif"/>
+          <p:cNvPicPr/>
+          <p:nvPr/>
+        </p:nvPicPr>
+        <p:blipFill>
+          <a:blip r:embed="rId2">
+            <a:extLst/>
+          </a:blip>
+          <a:stretch>
+            <a:fillRect/>
+          </a:stretch>
+        </p:blipFill>
+        <p:spPr>
+          <a:xfrm>
+            <a:off x="6174185" y="4992838"/>
+            <a:ext cx="886619" cy="214128"/>
+          </a:xfrm>
+          <a:prstGeom prst="rect">
+            <a:avLst/>
+          </a:prstGeom>
+          <a:ln w="12700">
+            <a:miter lim="400000"/>
+          </a:ln>
+        </p:spPr>
+      </p:pic>
     </p:spTree>
     <p:extLst>
       <p:ext uri="{BB962C8B-B14F-4D97-AF65-F5344CB8AC3E}">
